--- a/6_Graph.pptx
+++ b/6_Graph.pptx
@@ -147,11 +147,12 @@
       </a:defRPr>
     </a:lvl9pPr>
   </p:defaultTextStyle>
+  <p:extLst>
+    <p:ext uri="{EFAFB233-063F-42B5-8137-9DF3F51BA10A}">
+      <p15:sldGuideLst xmlns:p15="http://schemas.microsoft.com/office/powerpoint/2012/main"/>
+    </p:ext>
+  </p:extLst>
 </p:presentation>
-</file>
-
-<file path=ppt/revisionInfo.xml><?xml version="1.0" encoding="utf-8"?>
-<p1510:revInfo xmlns:a="http://schemas.openxmlformats.org/drawingml/2006/main" xmlns:r="http://schemas.openxmlformats.org/officeDocument/2006/relationships" xmlns:p1510="http://schemas.microsoft.com/office/powerpoint/2015/10/main"/>
 </file>
 
 <file path=ppt/slideLayouts/slideLayout1.xml><?xml version="1.0" encoding="utf-8"?>
@@ -303,7 +304,7 @@
           <a:p>
             <a:fld id="{7AFC86BE-7934-413C-9FC2-006DD6DC7F1D}" type="datetimeFigureOut">
               <a:rPr lang="zh-TW" altLang="en-US" smtClean="0"/>
-              <a:t>2018/1/5</a:t>
+              <a:t>2018/2/11</a:t>
             </a:fld>
             <a:endParaRPr lang="zh-TW" altLang="en-US"/>
           </a:p>
@@ -503,7 +504,7 @@
           <a:p>
             <a:fld id="{7AFC86BE-7934-413C-9FC2-006DD6DC7F1D}" type="datetimeFigureOut">
               <a:rPr lang="zh-TW" altLang="en-US" smtClean="0"/>
-              <a:t>2018/1/5</a:t>
+              <a:t>2018/2/11</a:t>
             </a:fld>
             <a:endParaRPr lang="zh-TW" altLang="en-US"/>
           </a:p>
@@ -713,7 +714,7 @@
           <a:p>
             <a:fld id="{7AFC86BE-7934-413C-9FC2-006DD6DC7F1D}" type="datetimeFigureOut">
               <a:rPr lang="zh-TW" altLang="en-US" smtClean="0"/>
-              <a:t>2018/1/5</a:t>
+              <a:t>2018/2/11</a:t>
             </a:fld>
             <a:endParaRPr lang="zh-TW" altLang="en-US"/>
           </a:p>
@@ -913,7 +914,7 @@
           <a:p>
             <a:fld id="{7AFC86BE-7934-413C-9FC2-006DD6DC7F1D}" type="datetimeFigureOut">
               <a:rPr lang="zh-TW" altLang="en-US" smtClean="0"/>
-              <a:t>2018/1/5</a:t>
+              <a:t>2018/2/11</a:t>
             </a:fld>
             <a:endParaRPr lang="zh-TW" altLang="en-US"/>
           </a:p>
@@ -1189,7 +1190,7 @@
           <a:p>
             <a:fld id="{7AFC86BE-7934-413C-9FC2-006DD6DC7F1D}" type="datetimeFigureOut">
               <a:rPr lang="zh-TW" altLang="en-US" smtClean="0"/>
-              <a:t>2018/1/5</a:t>
+              <a:t>2018/2/11</a:t>
             </a:fld>
             <a:endParaRPr lang="zh-TW" altLang="en-US"/>
           </a:p>
@@ -1457,7 +1458,7 @@
           <a:p>
             <a:fld id="{7AFC86BE-7934-413C-9FC2-006DD6DC7F1D}" type="datetimeFigureOut">
               <a:rPr lang="zh-TW" altLang="en-US" smtClean="0"/>
-              <a:t>2018/1/5</a:t>
+              <a:t>2018/2/11</a:t>
             </a:fld>
             <a:endParaRPr lang="zh-TW" altLang="en-US"/>
           </a:p>
@@ -1872,7 +1873,7 @@
           <a:p>
             <a:fld id="{7AFC86BE-7934-413C-9FC2-006DD6DC7F1D}" type="datetimeFigureOut">
               <a:rPr lang="zh-TW" altLang="en-US" smtClean="0"/>
-              <a:t>2018/1/5</a:t>
+              <a:t>2018/2/11</a:t>
             </a:fld>
             <a:endParaRPr lang="zh-TW" altLang="en-US"/>
           </a:p>
@@ -2014,7 +2015,7 @@
           <a:p>
             <a:fld id="{7AFC86BE-7934-413C-9FC2-006DD6DC7F1D}" type="datetimeFigureOut">
               <a:rPr lang="zh-TW" altLang="en-US" smtClean="0"/>
-              <a:t>2018/1/5</a:t>
+              <a:t>2018/2/11</a:t>
             </a:fld>
             <a:endParaRPr lang="zh-TW" altLang="en-US"/>
           </a:p>
@@ -2127,7 +2128,7 @@
           <a:p>
             <a:fld id="{7AFC86BE-7934-413C-9FC2-006DD6DC7F1D}" type="datetimeFigureOut">
               <a:rPr lang="zh-TW" altLang="en-US" smtClean="0"/>
-              <a:t>2018/1/5</a:t>
+              <a:t>2018/2/11</a:t>
             </a:fld>
             <a:endParaRPr lang="zh-TW" altLang="en-US"/>
           </a:p>
@@ -2440,7 +2441,7 @@
           <a:p>
             <a:fld id="{7AFC86BE-7934-413C-9FC2-006DD6DC7F1D}" type="datetimeFigureOut">
               <a:rPr lang="zh-TW" altLang="en-US" smtClean="0"/>
-              <a:t>2018/1/5</a:t>
+              <a:t>2018/2/11</a:t>
             </a:fld>
             <a:endParaRPr lang="zh-TW" altLang="en-US"/>
           </a:p>
@@ -2729,7 +2730,7 @@
           <a:p>
             <a:fld id="{7AFC86BE-7934-413C-9FC2-006DD6DC7F1D}" type="datetimeFigureOut">
               <a:rPr lang="zh-TW" altLang="en-US" smtClean="0"/>
-              <a:t>2018/1/5</a:t>
+              <a:t>2018/2/11</a:t>
             </a:fld>
             <a:endParaRPr lang="zh-TW" altLang="en-US"/>
           </a:p>
@@ -2972,7 +2973,7 @@
           <a:p>
             <a:fld id="{7AFC86BE-7934-413C-9FC2-006DD6DC7F1D}" type="datetimeFigureOut">
               <a:rPr lang="zh-TW" altLang="en-US" smtClean="0"/>
-              <a:t>2018/1/5</a:t>
+              <a:t>2018/2/11</a:t>
             </a:fld>
             <a:endParaRPr lang="zh-TW" altLang="en-US"/>
           </a:p>
@@ -3502,8 +3503,8 @@
           </a:p>
         </p:txBody>
       </p:sp>
-      <mc:AlternateContent xmlns:mc="http://schemas.openxmlformats.org/markup-compatibility/2006">
-        <mc:Choice xmlns:a14="http://schemas.microsoft.com/office/drawing/2010/main" Requires="a14">
+      <mc:AlternateContent xmlns:mc="http://schemas.openxmlformats.org/markup-compatibility/2006" xmlns:a14="http://schemas.microsoft.com/office/drawing/2010/main">
+        <mc:Choice Requires="a14">
           <p:sp>
             <p:nvSpPr>
               <p:cNvPr id="3" name="Content Placeholder 2">
@@ -3608,7 +3609,7 @@
             </p:txBody>
           </p:sp>
         </mc:Choice>
-        <mc:Fallback>
+        <mc:Fallback xmlns="">
           <p:sp>
             <p:nvSpPr>
               <p:cNvPr id="3" name="Content Placeholder 2">
@@ -3821,8 +3822,8 @@
           </a:p>
         </p:txBody>
       </p:sp>
-      <mc:AlternateContent xmlns:mc="http://schemas.openxmlformats.org/markup-compatibility/2006">
-        <mc:Choice xmlns:a14="http://schemas.microsoft.com/office/drawing/2010/main" Requires="a14">
+      <mc:AlternateContent xmlns:mc="http://schemas.openxmlformats.org/markup-compatibility/2006" xmlns:a14="http://schemas.microsoft.com/office/drawing/2010/main">
+        <mc:Choice Requires="a14">
           <p:sp>
             <p:nvSpPr>
               <p:cNvPr id="3" name="Content Placeholder 2">
@@ -3936,7 +3937,7 @@
             </p:txBody>
           </p:sp>
         </mc:Choice>
-        <mc:Fallback>
+        <mc:Fallback xmlns="">
           <p:sp>
             <p:nvSpPr>
               <p:cNvPr id="3" name="Content Placeholder 2">
@@ -4858,8 +4859,8 @@
           </a:p>
         </p:txBody>
       </p:sp>
-      <mc:AlternateContent xmlns:mc="http://schemas.openxmlformats.org/markup-compatibility/2006">
-        <mc:Choice xmlns:a14="http://schemas.microsoft.com/office/drawing/2010/main" Requires="a14">
+      <mc:AlternateContent xmlns:mc="http://schemas.openxmlformats.org/markup-compatibility/2006" xmlns:a14="http://schemas.microsoft.com/office/drawing/2010/main">
+        <mc:Choice Requires="a14">
           <p:sp>
             <p:nvSpPr>
               <p:cNvPr id="3" name="Content Placeholder 2">
@@ -4936,7 +4937,7 @@
             </p:txBody>
           </p:sp>
         </mc:Choice>
-        <mc:Fallback>
+        <mc:Fallback xmlns="">
           <p:sp>
             <p:nvSpPr>
               <p:cNvPr id="3" name="Content Placeholder 2">
@@ -5862,8 +5863,8 @@
           </a:p>
         </p:txBody>
       </p:sp>
-      <mc:AlternateContent xmlns:mc="http://schemas.openxmlformats.org/markup-compatibility/2006">
-        <mc:Choice xmlns:a14="http://schemas.microsoft.com/office/drawing/2010/main" Requires="a14">
+      <mc:AlternateContent xmlns:mc="http://schemas.openxmlformats.org/markup-compatibility/2006" xmlns:a14="http://schemas.microsoft.com/office/drawing/2010/main">
+        <mc:Choice Requires="a14">
           <p:sp>
             <p:nvSpPr>
               <p:cNvPr id="3" name="Content Placeholder 2">
@@ -6072,7 +6073,7 @@
             </p:txBody>
           </p:sp>
         </mc:Choice>
-        <mc:Fallback>
+        <mc:Fallback xmlns="">
           <p:sp>
             <p:nvSpPr>
               <p:cNvPr id="3" name="Content Placeholder 2">
@@ -6171,8 +6172,8 @@
           </a:p>
         </p:txBody>
       </p:sp>
-      <mc:AlternateContent xmlns:mc="http://schemas.openxmlformats.org/markup-compatibility/2006">
-        <mc:Choice xmlns:a14="http://schemas.microsoft.com/office/drawing/2010/main" Requires="a14">
+      <mc:AlternateContent xmlns:mc="http://schemas.openxmlformats.org/markup-compatibility/2006" xmlns:a14="http://schemas.microsoft.com/office/drawing/2010/main">
+        <mc:Choice Requires="a14">
           <p:sp>
             <p:nvSpPr>
               <p:cNvPr id="3" name="Content Placeholder 2">
@@ -6290,7 +6291,7 @@
             </p:txBody>
           </p:sp>
         </mc:Choice>
-        <mc:Fallback>
+        <mc:Fallback xmlns="">
           <p:sp>
             <p:nvSpPr>
               <p:cNvPr id="3" name="Content Placeholder 2">
@@ -8555,8 +8556,8 @@
           </a:p>
         </p:txBody>
       </p:sp>
-      <mc:AlternateContent xmlns:mc="http://schemas.openxmlformats.org/markup-compatibility/2006">
-        <mc:Choice xmlns:a14="http://schemas.microsoft.com/office/drawing/2010/main" Requires="a14">
+      <mc:AlternateContent xmlns:mc="http://schemas.openxmlformats.org/markup-compatibility/2006" xmlns:a14="http://schemas.microsoft.com/office/drawing/2010/main">
+        <mc:Choice Requires="a14">
           <p:sp>
             <p:nvSpPr>
               <p:cNvPr id="3" name="Content Placeholder 2">
@@ -8810,7 +8811,7 @@
             </p:txBody>
           </p:sp>
         </mc:Choice>
-        <mc:Fallback>
+        <mc:Fallback xmlns="">
           <p:sp>
             <p:nvSpPr>
               <p:cNvPr id="3" name="Content Placeholder 2">

--- a/6_Graph.pptx
+++ b/6_Graph.pptx
@@ -6172,8 +6172,8 @@
           </a:p>
         </p:txBody>
       </p:sp>
-      <mc:AlternateContent xmlns:mc="http://schemas.openxmlformats.org/markup-compatibility/2006" xmlns:a14="http://schemas.microsoft.com/office/drawing/2010/main">
-        <mc:Choice Requires="a14">
+      <mc:AlternateContent xmlns:mc="http://schemas.openxmlformats.org/markup-compatibility/2006">
+        <mc:Choice xmlns:a14="http://schemas.microsoft.com/office/drawing/2010/main" Requires="a14">
           <p:sp>
             <p:nvSpPr>
               <p:cNvPr id="3" name="Content Placeholder 2">
@@ -6261,8 +6261,12 @@
                   <a:t>dfs</a:t>
                 </a:r>
                 <a:r>
+                  <a:rPr lang="en-GB" altLang="zh-TW"/>
+                  <a:t>(w) </a:t>
+                </a:r>
+                <a:r>
                   <a:rPr lang="en-GB" altLang="zh-TW" dirty="0"/>
-                  <a:t>(u) is called for all w such that u-&gt;*w. </a:t>
+                  <a:t>is called for all w such that u-&gt;*w. </a:t>
                 </a:r>
               </a:p>
               <a:p>
@@ -6291,7 +6295,7 @@
             </p:txBody>
           </p:sp>
         </mc:Choice>
-        <mc:Fallback xmlns="">
+        <mc:Fallback>
           <p:sp>
             <p:nvSpPr>
               <p:cNvPr id="3" name="Content Placeholder 2">
